--- a/hr_analytics.pptx
+++ b/hr_analytics.pptx
@@ -266,7 +266,7 @@
           <a:p xmlns:a="http://schemas.openxmlformats.org/drawingml/2006/main">
             <a:r>
               <a:rPr b="1" dirty="0"/>
-              <a:t>textbox</a:t>
+              <a:t>pivotTable</a:t>
             </a:r>
             <a:endParaRPr dirty="0"/>
           </a:p>
@@ -287,7 +287,7 @@
           <a:p xmlns:a="http://schemas.openxmlformats.org/drawingml/2006/main">
             <a:r>
               <a:rPr b="1" dirty="0"/>
-              <a:t>pivotTable</a:t>
+              <a:t>Presence % over time</a:t>
             </a:r>
             <a:endParaRPr dirty="0"/>
           </a:p>
@@ -308,7 +308,7 @@
           <a:p xmlns:a="http://schemas.openxmlformats.org/drawingml/2006/main">
             <a:r>
               <a:rPr b="1" dirty="0"/>
-              <a:t>areaChart</a:t>
+              <a:t>WFH % over time</a:t>
             </a:r>
             <a:endParaRPr dirty="0"/>
           </a:p>
@@ -329,28 +329,7 @@
           <a:p xmlns:a="http://schemas.openxmlformats.org/drawingml/2006/main">
             <a:r>
               <a:rPr b="1" dirty="0"/>
-              <a:t>areaChart</a:t>
-            </a:r>
-            <a:endParaRPr dirty="0"/>
-          </a:p>
-          <a:p xmlns:a="http://schemas.openxmlformats.org/drawingml/2006/main">
-            <a:r>
-              <a:rPr b="0" dirty="0"/>
-              <a:t>No alt text provided</a:t>
-            </a:r>
-            <a:endParaRPr dirty="0"/>
-          </a:p>
-          <a:p xmlns:a="http://schemas.openxmlformats.org/drawingml/2006/main">
-            <a:r>
-              <a:rPr b="0" dirty="0"/>
-              <a:t/>
-            </a:r>
-            <a:endParaRPr dirty="0"/>
-          </a:p>
-          <a:p xmlns:a="http://schemas.openxmlformats.org/drawingml/2006/main">
-            <a:r>
-              <a:rPr b="1" dirty="0"/>
-              <a:t>areaChart</a:t>
+              <a:t>SL % over time</a:t>
             </a:r>
             <a:endParaRPr dirty="0"/>
           </a:p>
@@ -3730,7 +3709,7 @@
                 <a:ea typeface="Segoe UI" charset="0"/>
                 <a:cs typeface="Segoe UI" charset="0"/>
               </a:rPr>
-              <a:t>5/8/2024 12:43:35 PM UTC</a:t>
+              <a:t>5/9/2024 6:16:12 PM UTC</a:t>
             </a:r>
           </a:p>
         </p:txBody>
@@ -3787,7 +3766,7 @@
                 <a:ea typeface="Segoe UI" charset="0"/>
                 <a:cs typeface="Segoe UI" charset="0"/>
               </a:rPr>
-              <a:t>5/8/2024 12:38:25 PM UTC</a:t>
+              <a:t>5/9/2024 6:15:04 PM UTC</a:t>
             </a:r>
             <a:endParaRPr lang="en-US" sz="900" b="0" i="0" dirty="0">
               <a:solidFill>
@@ -3891,7 +3870,7 @@
       <p:grpSpPr/>
       <p:pic>
         <p:nvPicPr>
-          <p:cNvPr id="3" name="Picture" title="This slide contains the following visuals: card ,slicer ,card ,card ,tableEx ,textbox ,textbox ,pivotTable ,areaChart ,areaChart ,areaChart ,tableEx ,tableEx ,tableEx ,slicer ,textbox. Please refer to the notes on this slide for details">
+          <p:cNvPr id="3" name="Picture" title="This slide contains the following visuals: card ,slicer ,card ,card ,tableEx ,textbox ,pivotTable ,Presence % over time ,WFH % over time ,SL % over time ,tableEx ,tableEx ,tableEx ,slicer ,textbox. Please refer to the notes on this slide for details">
             <a:hlinkClick xmlns:r="http://schemas.openxmlformats.org/officeDocument/2006/relationships" xmlns:a="http://schemas.openxmlformats.org/drawingml/2006/main" r:id="RelId0"/>
           </p:cNvPr>
           <p:cNvPicPr>
@@ -3900,7 +3879,7 @@
           <p:nvPr/>
         </p:nvPicPr>
         <p:blipFill>
-          <a:blip xmlns:r="http://schemas.openxmlformats.org/officeDocument/2006/relationships" xmlns:a="http://schemas.openxmlformats.org/drawingml/2006/main" r:embed="imgId247658220"/>
+          <a:blip xmlns:r="http://schemas.openxmlformats.org/officeDocument/2006/relationships" xmlns:a="http://schemas.openxmlformats.org/drawingml/2006/main" r:embed="imgId247882207"/>
           <a:stretch xmlns:a="http://schemas.openxmlformats.org/drawingml/2006/main">
             <a:fillRect/>
           </a:stretch>
